--- a/helpsessions/week2/strings.pptx
+++ b/helpsessions/week2/strings.pptx
@@ -727,6 +727,93 @@
     <p:extLst>
       <p:ext uri="{BB962C8B-B14F-4D97-AF65-F5344CB8AC3E}">
         <p14:creationId xmlns:p14="http://schemas.microsoft.com/office/powerpoint/2010/main" val="2972749401"/>
+      </p:ext>
+    </p:extLst>
+  </p:cSld>
+  <p:clrMapOvr>
+    <a:masterClrMapping/>
+  </p:clrMapOvr>
+</p:notes>
+</file>
+
+<file path=ppt/notesSlides/notesSlide2.xml><?xml version="1.0" encoding="utf-8"?>
+<p:notes xmlns:a="http://schemas.openxmlformats.org/drawingml/2006/main" xmlns:r="http://schemas.openxmlformats.org/officeDocument/2006/relationships" xmlns:p="http://schemas.openxmlformats.org/presentationml/2006/main">
+  <p:cSld>
+    <p:spTree>
+      <p:nvGrpSpPr>
+        <p:cNvPr id="1" name=""/>
+        <p:cNvGrpSpPr/>
+        <p:nvPr/>
+      </p:nvGrpSpPr>
+      <p:grpSpPr>
+        <a:xfrm>
+          <a:off x="0" y="0"/>
+          <a:ext cx="0" cy="0"/>
+          <a:chOff x="0" y="0"/>
+          <a:chExt cx="0" cy="0"/>
+        </a:xfrm>
+      </p:grpSpPr>
+      <p:sp>
+        <p:nvSpPr>
+          <p:cNvPr id="2" name="Slide Image Placeholder 1"/>
+          <p:cNvSpPr>
+            <a:spLocks noGrp="1" noRot="1" noChangeAspect="1"/>
+          </p:cNvSpPr>
+          <p:nvPr>
+            <p:ph type="sldImg"/>
+          </p:nvPr>
+        </p:nvSpPr>
+        <p:spPr/>
+      </p:sp>
+      <p:sp>
+        <p:nvSpPr>
+          <p:cNvPr id="3" name="Notes Placeholder 2"/>
+          <p:cNvSpPr>
+            <a:spLocks noGrp="1"/>
+          </p:cNvSpPr>
+          <p:nvPr>
+            <p:ph type="body" idx="1"/>
+          </p:nvPr>
+        </p:nvSpPr>
+        <p:spPr/>
+        <p:txBody>
+          <a:bodyPr/>
+          <a:lstStyle/>
+          <a:p>
+            <a:r>
+              <a:rPr lang="en-US" dirty="0"/>
+              <a:t>This is how we represent </a:t>
+            </a:r>
+          </a:p>
+        </p:txBody>
+      </p:sp>
+      <p:sp>
+        <p:nvSpPr>
+          <p:cNvPr id="4" name="Slide Number Placeholder 3"/>
+          <p:cNvSpPr>
+            <a:spLocks noGrp="1"/>
+          </p:cNvSpPr>
+          <p:nvPr>
+            <p:ph type="sldNum" sz="quarter" idx="5"/>
+          </p:nvPr>
+        </p:nvSpPr>
+        <p:spPr/>
+        <p:txBody>
+          <a:bodyPr/>
+          <a:lstStyle/>
+          <a:p>
+            <a:fld id="{1A032F50-0B60-B34B-8422-4E195A5AE2C1}" type="slidenum">
+              <a:rPr lang="en-US" smtClean="0"/>
+              <a:t>4</a:t>
+            </a:fld>
+            <a:endParaRPr lang="en-US"/>
+          </a:p>
+        </p:txBody>
+      </p:sp>
+    </p:spTree>
+    <p:extLst>
+      <p:ext uri="{BB962C8B-B14F-4D97-AF65-F5344CB8AC3E}">
+        <p14:creationId xmlns:p14="http://schemas.microsoft.com/office/powerpoint/2010/main" val="910264662"/>
       </p:ext>
     </p:extLst>
   </p:cSld>
@@ -7215,15 +7302,7 @@
           <a:p>
             <a:r>
               <a:rPr lang="en-US" dirty="0"/>
-              <a:t>An </a:t>
-            </a:r>
-            <a:r>
-              <a:rPr lang="en-US"/>
-              <a:t>Easier Question - </a:t>
-            </a:r>
-            <a:r>
-              <a:rPr lang="en-US" dirty="0"/>
-              <a:t>Why Board Games?</a:t>
+              <a:t>An Easier Question - Why Board Games?</a:t>
             </a:r>
           </a:p>
         </p:txBody>
@@ -7247,7 +7326,7 @@
         <p:spPr>
           <a:xfrm>
             <a:off x="628075" y="1776683"/>
-            <a:ext cx="9624289" cy="3837012"/>
+            <a:ext cx="9624289" cy="6040693"/>
           </a:xfrm>
         </p:spPr>
         <p:txBody>
@@ -7302,10 +7381,44 @@
             </a:r>
           </a:p>
           <a:p>
+            <a:r>
+              <a:rPr lang="en-US" dirty="0"/>
+              <a:t>Not a board game – but Crossword Puzzles</a:t>
+            </a:r>
+          </a:p>
+          <a:p>
             <a:pPr lvl="1"/>
             <a:r>
+              <a:rPr lang="en-US" b="1" dirty="0"/>
+              <a:t>String as a collection of ordered characters</a:t>
+            </a:r>
+          </a:p>
+          <a:p>
+            <a:pPr lvl="1"/>
+            <a:r>
               <a:rPr lang="en-US" dirty="0"/>
-              <a:t>Not a board game – but Crossword Puzzles </a:t>
+              <a:t>Your job - build a crossword puzzle – using terms in this class</a:t>
+            </a:r>
+          </a:p>
+          <a:p>
+            <a:pPr lvl="2"/>
+            <a:r>
+              <a:rPr lang="en-US" dirty="0"/>
+              <a:t>or</a:t>
+            </a:r>
+          </a:p>
+          <a:p>
+            <a:pPr lvl="1"/>
+            <a:r>
+              <a:rPr lang="en-US" dirty="0"/>
+              <a:t>Play hangman with terms in this class</a:t>
+            </a:r>
+          </a:p>
+          <a:p>
+            <a:pPr lvl="2"/>
+            <a:r>
+              <a:rPr lang="en-US" dirty="0"/>
+              <a:t>number the dashes for hangman – but start at 0</a:t>
             </a:r>
           </a:p>
           <a:p>

--- a/helpsessions/week2/strings.pptx
+++ b/helpsessions/week2/strings.pptx
@@ -5,16 +5,17 @@
     <p:sldMasterId id="2147483648" r:id="rId1"/>
   </p:sldMasterIdLst>
   <p:notesMasterIdLst>
-    <p:notesMasterId r:id="rId6"/>
+    <p:notesMasterId r:id="rId7"/>
   </p:notesMasterIdLst>
   <p:handoutMasterIdLst>
-    <p:handoutMasterId r:id="rId7"/>
+    <p:handoutMasterId r:id="rId8"/>
   </p:handoutMasterIdLst>
   <p:sldIdLst>
     <p:sldId id="256" r:id="rId2"/>
     <p:sldId id="258" r:id="rId3"/>
     <p:sldId id="259" r:id="rId4"/>
     <p:sldId id="257" r:id="rId5"/>
+    <p:sldId id="260" r:id="rId6"/>
   </p:sldIdLst>
   <p:sldSz cx="13817600" cy="7772400"/>
   <p:notesSz cx="6858000" cy="9144000"/>
@@ -8236,6 +8237,236 @@
     <p:extLst>
       <p:ext uri="{BB962C8B-B14F-4D97-AF65-F5344CB8AC3E}">
         <p14:creationId xmlns:p14="http://schemas.microsoft.com/office/powerpoint/2010/main" val="3649966795"/>
+      </p:ext>
+    </p:extLst>
+  </p:cSld>
+  <p:clrMapOvr>
+    <a:masterClrMapping/>
+  </p:clrMapOvr>
+  <mc:AlternateContent xmlns:mc="http://schemas.openxmlformats.org/markup-compatibility/2006" xmlns:p14="http://schemas.microsoft.com/office/powerpoint/2010/main">
+    <mc:Choice Requires="p14">
+      <p:transition p14:dur="300">
+        <p:fade/>
+      </p:transition>
+    </mc:Choice>
+    <mc:Fallback xmlns="">
+      <p:transition>
+        <p:fade/>
+      </p:transition>
+    </mc:Fallback>
+  </mc:AlternateContent>
+</p:sld>
+</file>
+
+<file path=ppt/slides/slide5.xml><?xml version="1.0" encoding="utf-8"?>
+<p:sld xmlns:a="http://schemas.openxmlformats.org/drawingml/2006/main" xmlns:r="http://schemas.openxmlformats.org/officeDocument/2006/relationships" xmlns:p="http://schemas.openxmlformats.org/presentationml/2006/main">
+  <p:cSld>
+    <p:spTree>
+      <p:nvGrpSpPr>
+        <p:cNvPr id="1" name=""/>
+        <p:cNvGrpSpPr/>
+        <p:nvPr/>
+      </p:nvGrpSpPr>
+      <p:grpSpPr>
+        <a:xfrm>
+          <a:off x="0" y="0"/>
+          <a:ext cx="0" cy="0"/>
+          <a:chOff x="0" y="0"/>
+          <a:chExt cx="0" cy="0"/>
+        </a:xfrm>
+      </p:grpSpPr>
+      <p:sp>
+        <p:nvSpPr>
+          <p:cNvPr id="2" name="Title 1">
+            <a:extLst>
+              <a:ext uri="{FF2B5EF4-FFF2-40B4-BE49-F238E27FC236}">
+                <a16:creationId xmlns:a16="http://schemas.microsoft.com/office/drawing/2014/main" id="{D15E6172-ECFD-1646-A49B-65043E158296}"/>
+              </a:ext>
+            </a:extLst>
+          </p:cNvPr>
+          <p:cNvSpPr>
+            <a:spLocks noGrp="1"/>
+          </p:cNvSpPr>
+          <p:nvPr>
+            <p:ph type="title"/>
+          </p:nvPr>
+        </p:nvSpPr>
+        <p:spPr/>
+        <p:txBody>
+          <a:bodyPr/>
+          <a:lstStyle/>
+          <a:p>
+            <a:r>
+              <a:rPr lang="en-US" dirty="0"/>
+              <a:t>Debugging Code</a:t>
+            </a:r>
+          </a:p>
+        </p:txBody>
+      </p:sp>
+      <p:sp>
+        <p:nvSpPr>
+          <p:cNvPr id="3" name="Text Placeholder 2">
+            <a:extLst>
+              <a:ext uri="{FF2B5EF4-FFF2-40B4-BE49-F238E27FC236}">
+                <a16:creationId xmlns:a16="http://schemas.microsoft.com/office/drawing/2014/main" id="{69F02AAF-B1D0-B84F-BB70-AC753C337AC2}"/>
+              </a:ext>
+            </a:extLst>
+          </p:cNvPr>
+          <p:cNvSpPr>
+            <a:spLocks noGrp="1"/>
+          </p:cNvSpPr>
+          <p:nvPr>
+            <p:ph type="body" sz="quarter" idx="10"/>
+          </p:nvPr>
+        </p:nvSpPr>
+        <p:spPr>
+          <a:xfrm>
+            <a:off x="628076" y="1776683"/>
+            <a:ext cx="5606470" cy="4842608"/>
+          </a:xfrm>
+        </p:spPr>
+        <p:txBody>
+          <a:bodyPr/>
+          <a:lstStyle/>
+          <a:p>
+            <a:r>
+              <a:rPr lang="en-US" dirty="0"/>
+              <a:t>Compile Errors</a:t>
+            </a:r>
+          </a:p>
+          <a:p>
+            <a:pPr lvl="1"/>
+            <a:r>
+              <a:rPr lang="en-US" dirty="0"/>
+              <a:t>bad syntax</a:t>
+            </a:r>
+          </a:p>
+          <a:p>
+            <a:pPr lvl="1"/>
+            <a:r>
+              <a:rPr lang="en-US" dirty="0"/>
+              <a:t>missing semicolon (bane of all coders)</a:t>
+            </a:r>
+          </a:p>
+          <a:p>
+            <a:pPr lvl="1"/>
+            <a:r>
+              <a:rPr lang="en-US" dirty="0"/>
+              <a:t>missing curly brackets</a:t>
+            </a:r>
+          </a:p>
+          <a:p>
+            <a:r>
+              <a:rPr lang="en-US" dirty="0"/>
+              <a:t>Runtime Errors</a:t>
+            </a:r>
+          </a:p>
+          <a:p>
+            <a:pPr lvl="1"/>
+            <a:r>
+              <a:rPr lang="en-US" dirty="0"/>
+              <a:t>Poor logic</a:t>
+            </a:r>
+          </a:p>
+          <a:p>
+            <a:pPr lvl="1"/>
+            <a:r>
+              <a:rPr lang="en-US" dirty="0"/>
+              <a:t>Works, but not as intended</a:t>
+            </a:r>
+          </a:p>
+          <a:p>
+            <a:r>
+              <a:rPr lang="en-US" dirty="0"/>
+              <a:t>Solution</a:t>
+            </a:r>
+          </a:p>
+          <a:p>
+            <a:pPr lvl="1"/>
+            <a:r>
+              <a:rPr lang="en-US" dirty="0"/>
+              <a:t>code only a </a:t>
+            </a:r>
+            <a:r>
+              <a:rPr lang="en-US" b="1" dirty="0"/>
+              <a:t>few lines</a:t>
+            </a:r>
+            <a:r>
+              <a:rPr lang="en-US" dirty="0"/>
+              <a:t> at a time</a:t>
+            </a:r>
+          </a:p>
+          <a:p>
+            <a:pPr lvl="1"/>
+            <a:r>
+              <a:rPr lang="en-US" dirty="0"/>
+              <a:t>run after a few lines – even if running doesn’t do much! </a:t>
+            </a:r>
+          </a:p>
+          <a:p>
+            <a:r>
+              <a:rPr lang="en-US" dirty="0"/>
+              <a:t>Let’s look </a:t>
+            </a:r>
+            <a:r>
+              <a:rPr lang="en-US"/>
+              <a:t>at some examples</a:t>
+            </a:r>
+            <a:endParaRPr lang="en-US" dirty="0"/>
+          </a:p>
+        </p:txBody>
+      </p:sp>
+      <p:pic>
+        <p:nvPicPr>
+          <p:cNvPr id="1026" name="Picture 2" descr="r/ProgrammerHumor - World's best hide and seek champion">
+            <a:extLst>
+              <a:ext uri="{FF2B5EF4-FFF2-40B4-BE49-F238E27FC236}">
+                <a16:creationId xmlns:a16="http://schemas.microsoft.com/office/drawing/2014/main" id="{0DCACE69-80AD-8240-94B4-B1D8C7BB9AF9}"/>
+              </a:ext>
+            </a:extLst>
+          </p:cNvPr>
+          <p:cNvPicPr>
+            <a:picLocks noChangeAspect="1" noChangeArrowheads="1"/>
+          </p:cNvPicPr>
+          <p:nvPr/>
+        </p:nvPicPr>
+        <p:blipFill>
+          <a:blip r:embed="rId2">
+            <a:extLst>
+              <a:ext uri="{28A0092B-C50C-407E-A947-70E740481C1C}">
+                <a14:useLocalDpi xmlns:a14="http://schemas.microsoft.com/office/drawing/2010/main" val="0"/>
+              </a:ext>
+            </a:extLst>
+          </a:blip>
+          <a:srcRect/>
+          <a:stretch>
+            <a:fillRect/>
+          </a:stretch>
+        </p:blipFill>
+        <p:spPr bwMode="auto">
+          <a:xfrm>
+            <a:off x="7254852" y="1776683"/>
+            <a:ext cx="6300091" cy="4585855"/>
+          </a:xfrm>
+          <a:prstGeom prst="rect">
+            <a:avLst/>
+          </a:prstGeom>
+          <a:noFill/>
+          <a:extLst>
+            <a:ext uri="{909E8E84-426E-40DD-AFC4-6F175D3DCCD1}">
+              <a14:hiddenFill xmlns:a14="http://schemas.microsoft.com/office/drawing/2010/main">
+                <a:solidFill>
+                  <a:srgbClr val="FFFFFF"/>
+                </a:solidFill>
+              </a14:hiddenFill>
+            </a:ext>
+          </a:extLst>
+        </p:spPr>
+      </p:pic>
+    </p:spTree>
+    <p:extLst>
+      <p:ext uri="{BB962C8B-B14F-4D97-AF65-F5344CB8AC3E}">
+        <p14:creationId xmlns:p14="http://schemas.microsoft.com/office/powerpoint/2010/main" val="760011879"/>
       </p:ext>
     </p:extLst>
   </p:cSld>

--- a/helpsessions/week2/strings.pptx
+++ b/helpsessions/week2/strings.pptx
@@ -783,7 +783,7 @@
           <a:p>
             <a:r>
               <a:rPr lang="en-US" dirty="0"/>
-              <a:t>This is how we represent </a:t>
+              <a:t> </a:t>
             </a:r>
           </a:p>
         </p:txBody>
@@ -6982,7 +6982,7 @@
             <a:pPr lvl="1"/>
             <a:r>
               <a:rPr lang="en-US" dirty="0"/>
-              <a:t>Contradiction to Alan Turing</a:t>
+              <a:t>Counter to Alan Turing</a:t>
             </a:r>
           </a:p>
           <a:p>
@@ -7391,7 +7391,7 @@
             <a:pPr lvl="1"/>
             <a:r>
               <a:rPr lang="en-US" b="1" dirty="0"/>
-              <a:t>String as a collection of ordered characters</a:t>
+              <a:t>String is a collection of ordered characters</a:t>
             </a:r>
           </a:p>
           <a:p>
@@ -8322,7 +8322,7 @@
         <p:spPr>
           <a:xfrm>
             <a:off x="628076" y="1776683"/>
-            <a:ext cx="5606470" cy="4842608"/>
+            <a:ext cx="5606470" cy="4919552"/>
           </a:xfrm>
         </p:spPr>
         <p:txBody>
@@ -8400,19 +8400,21 @@
             <a:pPr lvl="1"/>
             <a:r>
               <a:rPr lang="en-US" dirty="0"/>
-              <a:t>run after a few lines – even if running doesn’t do much! </a:t>
-            </a:r>
-          </a:p>
-          <a:p>
-            <a:r>
-              <a:rPr lang="en-US" dirty="0"/>
-              <a:t>Let’s look </a:t>
-            </a:r>
-            <a:r>
-              <a:rPr lang="en-US"/>
-              <a:t>at some examples</a:t>
-            </a:r>
-            <a:endParaRPr lang="en-US" dirty="0"/>
+              <a:t>run after a few lines </a:t>
+            </a:r>
+          </a:p>
+          <a:p>
+            <a:pPr lvl="2"/>
+            <a:r>
+              <a:rPr lang="en-US" dirty="0"/>
+              <a:t>even if running doesn’t do much! </a:t>
+            </a:r>
+          </a:p>
+          <a:p>
+            <a:r>
+              <a:rPr lang="en-US" dirty="0"/>
+              <a:t>Let’s look at some examples</a:t>
+            </a:r>
           </a:p>
         </p:txBody>
       </p:sp>

--- a/helpsessions/week2/strings.pptx
+++ b/helpsessions/week2/strings.pptx
@@ -783,7 +783,7 @@
           <a:p>
             <a:r>
               <a:rPr lang="en-US" dirty="0"/>
-              <a:t> </a:t>
+              <a:t> Hangman and Crossword puzzles are a great example of string</a:t>
             </a:r>
           </a:p>
         </p:txBody>
@@ -6850,7 +6850,7 @@
         <p:spPr>
           <a:xfrm>
             <a:off x="628074" y="5369311"/>
-            <a:ext cx="12561452" cy="448392"/>
+            <a:ext cx="12561452" cy="1039323"/>
           </a:xfrm>
         </p:spPr>
         <p:txBody>
@@ -6859,7 +6859,25 @@
           <a:p>
             <a:r>
               <a:rPr lang="en-US" dirty="0"/>
-              <a:t>Warm up question – favorite board game?</a:t>
+              <a:t>Warm up question </a:t>
+            </a:r>
+            <a:r>
+              <a:rPr lang="en-US" b="1" dirty="0"/>
+              <a:t>– what is your favorite board game?  </a:t>
+            </a:r>
+            <a:br>
+              <a:rPr lang="en-US" dirty="0"/>
+            </a:br>
+            <a:r>
+              <a:rPr lang="en-US" dirty="0"/>
+              <a:t>Start talking as soon as you sit down</a:t>
+            </a:r>
+            <a:br>
+              <a:rPr lang="en-US" dirty="0"/>
+            </a:br>
+            <a:r>
+              <a:rPr lang="en-US" dirty="0"/>
+              <a:t>By ten end, can you name the board games of the others around you?</a:t>
             </a:r>
           </a:p>
         </p:txBody>
@@ -7326,8 +7344,8 @@
         </p:nvSpPr>
         <p:spPr>
           <a:xfrm>
-            <a:off x="628075" y="1776683"/>
-            <a:ext cx="9624289" cy="6040693"/>
+            <a:off x="628072" y="1368531"/>
+            <a:ext cx="9624289" cy="6403869"/>
           </a:xfrm>
         </p:spPr>
         <p:txBody>
@@ -7384,7 +7402,7 @@
           <a:p>
             <a:r>
               <a:rPr lang="en-US" dirty="0"/>
-              <a:t>Not a board game – but Crossword Puzzles</a:t>
+              <a:t>Not a board game – but Crossword Puzzles &amp; Hangman</a:t>
             </a:r>
           </a:p>
           <a:p>
@@ -7412,7 +7430,7 @@
             <a:pPr lvl="1"/>
             <a:r>
               <a:rPr lang="en-US" dirty="0"/>
-              <a:t>Play hangman with terms in this class</a:t>
+              <a:t>Play hangman with terms in the class (using java syntax)</a:t>
             </a:r>
           </a:p>
           <a:p>
@@ -7420,6 +7438,20 @@
             <a:r>
               <a:rPr lang="en-US" dirty="0"/>
               <a:t>number the dashes for hangman – but start at 0</a:t>
+            </a:r>
+            <a:br>
+              <a:rPr lang="en-US" dirty="0"/>
+            </a:br>
+            <a:r>
+              <a:rPr lang="en-US" dirty="0"/>
+              <a:t>-  -  - - - -</a:t>
+            </a:r>
+            <a:br>
+              <a:rPr lang="en-US" dirty="0"/>
+            </a:br>
+            <a:r>
+              <a:rPr lang="en-US" dirty="0"/>
+              <a:t>0 1 2 3 4 5</a:t>
             </a:r>
           </a:p>
           <a:p>
@@ -8321,8 +8353,8 @@
         </p:nvSpPr>
         <p:spPr>
           <a:xfrm>
-            <a:off x="628076" y="1776683"/>
-            <a:ext cx="5606470" cy="4919552"/>
+            <a:off x="628075" y="1586021"/>
+            <a:ext cx="5606470" cy="5892126"/>
           </a:xfrm>
         </p:spPr>
         <p:txBody>
@@ -8359,6 +8391,19 @@
             <a:r>
               <a:rPr lang="en-US" dirty="0"/>
               <a:t>Runtime Errors</a:t>
+            </a:r>
+          </a:p>
+          <a:p>
+            <a:pPr lvl="1"/>
+            <a:r>
+              <a:rPr lang="en-US" dirty="0"/>
+              <a:t>Crashes while running (you will get this!)</a:t>
+            </a:r>
+          </a:p>
+          <a:p>
+            <a:r>
+              <a:rPr lang="en-US" dirty="0"/>
+              <a:t>Logic Errors</a:t>
             </a:r>
           </a:p>
           <a:p>

--- a/helpsessions/week2/strings.pptx
+++ b/helpsessions/week2/strings.pptx
@@ -218,7 +218,7 @@
           <a:p>
             <a:fld id="{4D7E51A5-B478-1E40-8CBB-0DAA8831E99D}" type="datetimeFigureOut">
               <a:rPr lang="en-US" smtClean="0"/>
-              <a:t>8/30/20</a:t>
+              <a:t>8/31/20</a:t>
             </a:fld>
             <a:endParaRPr lang="en-US"/>
           </a:p>
@@ -383,7 +383,7 @@
           <a:p>
             <a:fld id="{D0ED587F-861E-6740-9643-E3DDAE89B8D6}" type="datetimeFigureOut">
               <a:rPr lang="en-US" smtClean="0"/>
-              <a:t>8/30/20</a:t>
+              <a:t>8/31/20</a:t>
             </a:fld>
             <a:endParaRPr lang="en-US"/>
           </a:p>
@@ -7056,11 +7056,11 @@
       </p:grpSpPr>
       <p:pic>
         <p:nvPicPr>
-          <p:cNvPr id="4" name="Online Media 3" descr="AI: Computers and Minds | Philosophy Tube">
+          <p:cNvPr id="2" name="Online Media 1" descr="The Chinese Room Experiment - The Hunt for AI - BBC">
             <a:hlinkClick r:id="" action="ppaction://media"/>
             <a:extLst>
               <a:ext uri="{FF2B5EF4-FFF2-40B4-BE49-F238E27FC236}">
-                <a16:creationId xmlns:a16="http://schemas.microsoft.com/office/drawing/2014/main" id="{DE843543-6E43-2843-B509-9C5DB73C5AF7}"/>
+                <a16:creationId xmlns:a16="http://schemas.microsoft.com/office/drawing/2014/main" id="{4175A9F4-47BA-154B-A9A6-0E34804C7C45}"/>
               </a:ext>
             </a:extLst>
           </p:cNvPr>
@@ -7111,7 +7111,9 @@
           </a:xfrm>
         </p:spPr>
         <p:txBody>
-          <a:bodyPr/>
+          <a:bodyPr wrap="square" anchor="t">
+            <a:normAutofit/>
+          </a:bodyPr>
           <a:lstStyle/>
           <a:p>
             <a:r>
@@ -7173,7 +7175,7 @@
                                       <p:cBhvr>
                                         <p:cTn id="6" dur="1" fill="hold"/>
                                         <p:tgtEl>
-                                          <p:spTgt spid="4"/>
+                                          <p:spTgt spid="2"/>
                                         </p:tgtEl>
                                       </p:cBhvr>
                                     </p:cmd>
@@ -7211,7 +7213,7 @@
                   </p:stCondLst>
                 </p:cTn>
                 <p:tgtEl>
-                  <p:spTgt spid="4"/>
+                  <p:spTgt spid="2"/>
                 </p:tgtEl>
               </p:cMediaNode>
             </p:video>
@@ -7220,7 +7222,7 @@
                 <p:stCondLst>
                   <p:cond evt="onClick" delay="0">
                     <p:tgtEl>
-                      <p:spTgt spid="4"/>
+                      <p:spTgt spid="2"/>
                     </p:tgtEl>
                   </p:cond>
                 </p:stCondLst>
@@ -7250,7 +7252,7 @@
                                       <p:cBhvr>
                                         <p:cTn id="12" dur="1" fill="hold"/>
                                         <p:tgtEl>
-                                          <p:spTgt spid="4"/>
+                                          <p:spTgt spid="2"/>
                                         </p:tgtEl>
                                       </p:cBhvr>
                                     </p:cmd>
@@ -7268,7 +7270,7 @@
               <p:nextCondLst>
                 <p:cond evt="onClick" delay="0">
                   <p:tgtEl>
-                    <p:spTgt spid="4"/>
+                    <p:spTgt spid="2"/>
                   </p:tgtEl>
                 </p:cond>
               </p:nextCondLst>
@@ -7478,7 +7480,7 @@
         </p:nvSpPr>
         <p:spPr>
           <a:xfrm>
-            <a:off x="10782293" y="2154637"/>
+            <a:off x="10782293" y="2126927"/>
             <a:ext cx="484909" cy="484909"/>
           </a:xfrm>
           <a:prstGeom prst="rect">
@@ -7547,7 +7549,7 @@
         </p:nvSpPr>
         <p:spPr>
           <a:xfrm>
-            <a:off x="10782293" y="2648737"/>
+            <a:off x="10782293" y="2621027"/>
             <a:ext cx="484909" cy="484909"/>
           </a:xfrm>
           <a:prstGeom prst="rect">

--- a/helpsessions/week2/strings.pptx
+++ b/helpsessions/week2/strings.pptx
@@ -218,7 +218,7 @@
           <a:p>
             <a:fld id="{4D7E51A5-B478-1E40-8CBB-0DAA8831E99D}" type="datetimeFigureOut">
               <a:rPr lang="en-US" smtClean="0"/>
-              <a:t>8/31/20</a:t>
+              <a:t>9/6/20</a:t>
             </a:fld>
             <a:endParaRPr lang="en-US"/>
           </a:p>
@@ -383,7 +383,7 @@
           <a:p>
             <a:fld id="{D0ED587F-861E-6740-9643-E3DDAE89B8D6}" type="datetimeFigureOut">
               <a:rPr lang="en-US" smtClean="0"/>
-              <a:t>8/31/20</a:t>
+              <a:t>9/6/20</a:t>
             </a:fld>
             <a:endParaRPr lang="en-US"/>
           </a:p>
@@ -6877,7 +6877,7 @@
             </a:br>
             <a:r>
               <a:rPr lang="en-US" dirty="0"/>
-              <a:t>By ten end, can you name the board games of the others around you?</a:t>
+              <a:t>By the end, can you name the board games of the others around you?</a:t>
             </a:r>
           </a:p>
         </p:txBody>

--- a/helpsessions/week2/strings.pptx
+++ b/helpsessions/week2/strings.pptx
@@ -218,7 +218,7 @@
           <a:p>
             <a:fld id="{4D7E51A5-B478-1E40-8CBB-0DAA8831E99D}" type="datetimeFigureOut">
               <a:rPr lang="en-US" smtClean="0"/>
-              <a:t>9/6/20</a:t>
+              <a:t>1/25/21</a:t>
             </a:fld>
             <a:endParaRPr lang="en-US"/>
           </a:p>
@@ -383,7 +383,7 @@
           <a:p>
             <a:fld id="{D0ED587F-861E-6740-9643-E3DDAE89B8D6}" type="datetimeFigureOut">
               <a:rPr lang="en-US" smtClean="0"/>
-              <a:t>9/6/20</a:t>
+              <a:t>1/25/21</a:t>
             </a:fld>
             <a:endParaRPr lang="en-US"/>
           </a:p>
@@ -6971,7 +6971,7 @@
         <p:spPr>
           <a:xfrm>
             <a:off x="628075" y="1776683"/>
-            <a:ext cx="12561453" cy="2088842"/>
+            <a:ext cx="12561453" cy="3578416"/>
           </a:xfrm>
         </p:spPr>
         <p:txBody>
@@ -6980,20 +6980,52 @@
           <a:p>
             <a:r>
               <a:rPr lang="en-US" dirty="0"/>
+              <a:t>Discussion:</a:t>
+            </a:r>
+          </a:p>
+          <a:p>
+            <a:pPr lvl="1"/>
+            <a:r>
+              <a:rPr lang="en-US" dirty="0"/>
               <a:t>What defines thinking?</a:t>
             </a:r>
           </a:p>
           <a:p>
-            <a:pPr lvl="1"/>
+            <a:pPr lvl="2"/>
             <a:r>
               <a:rPr lang="en-US" dirty="0"/>
               <a:t>How did Alan Turing address this question?</a:t>
             </a:r>
           </a:p>
           <a:p>
-            <a:r>
-              <a:rPr lang="en-US" dirty="0"/>
-              <a:t>John Searle’s Chinese Room</a:t>
+            <a:pPr lvl="2"/>
+            <a:r>
+              <a:rPr lang="en-US" dirty="0"/>
+              <a:t>What are ways can we break the </a:t>
+            </a:r>
+            <a:r>
+              <a:rPr lang="en-US" dirty="0" err="1"/>
+              <a:t>turing</a:t>
+            </a:r>
+            <a:r>
+              <a:rPr lang="en-US" dirty="0"/>
+              <a:t> test?</a:t>
+            </a:r>
+          </a:p>
+          <a:p>
+            <a:pPr lvl="2"/>
+            <a:endParaRPr lang="en-US" dirty="0"/>
+          </a:p>
+          <a:p>
+            <a:pPr marL="1399233" lvl="2" indent="0">
+              <a:buNone/>
+            </a:pPr>
+            <a:endParaRPr lang="en-US" dirty="0"/>
+          </a:p>
+          <a:p>
+            <a:r>
+              <a:rPr lang="en-US" dirty="0"/>
+              <a:t>Related Concept - John Searle’s Chinese Room</a:t>
             </a:r>
           </a:p>
           <a:p>

--- a/helpsessions/week2/strings.pptx
+++ b/helpsessions/week2/strings.pptx
@@ -8544,6 +8544,49 @@
           </a:extLst>
         </p:spPr>
       </p:pic>
+      <p:sp>
+        <p:nvSpPr>
+          <p:cNvPr id="4" name="TextBox 3">
+            <a:extLst>
+              <a:ext uri="{FF2B5EF4-FFF2-40B4-BE49-F238E27FC236}">
+                <a16:creationId xmlns:a16="http://schemas.microsoft.com/office/drawing/2014/main" id="{549576E1-AC92-BF40-97E3-D0438A261EAB}"/>
+              </a:ext>
+            </a:extLst>
+          </p:cNvPr>
+          <p:cNvSpPr txBox="1"/>
+          <p:nvPr/>
+        </p:nvSpPr>
+        <p:spPr>
+          <a:xfrm>
+            <a:off x="8533231" y="1063612"/>
+            <a:ext cx="3743332" cy="400110"/>
+          </a:xfrm>
+          <a:prstGeom prst="rect">
+            <a:avLst/>
+          </a:prstGeom>
+          <a:noFill/>
+        </p:spPr>
+        <p:txBody>
+          <a:bodyPr wrap="none" rtlCol="0">
+            <a:spAutoFit/>
+          </a:bodyPr>
+          <a:lstStyle/>
+          <a:p>
+            <a:r>
+              <a:rPr lang="en-US" dirty="0"/>
+              <a:t>Go to </a:t>
+            </a:r>
+            <a:r>
+              <a:rPr lang="en-US" dirty="0" err="1"/>
+              <a:t>Zybooks</a:t>
+            </a:r>
+            <a:r>
+              <a:rPr lang="en-US" dirty="0"/>
+              <a:t> – Code in there!</a:t>
+            </a:r>
+          </a:p>
+        </p:txBody>
+      </p:sp>
     </p:spTree>
     <p:extLst>
       <p:ext uri="{BB962C8B-B14F-4D97-AF65-F5344CB8AC3E}">

--- a/helpsessions/week2/strings.pptx
+++ b/helpsessions/week2/strings.pptx
@@ -5,17 +5,18 @@
     <p:sldMasterId id="2147483648" r:id="rId1"/>
   </p:sldMasterIdLst>
   <p:notesMasterIdLst>
-    <p:notesMasterId r:id="rId7"/>
+    <p:notesMasterId r:id="rId8"/>
   </p:notesMasterIdLst>
   <p:handoutMasterIdLst>
-    <p:handoutMasterId r:id="rId8"/>
+    <p:handoutMasterId r:id="rId9"/>
   </p:handoutMasterIdLst>
   <p:sldIdLst>
     <p:sldId id="256" r:id="rId2"/>
     <p:sldId id="258" r:id="rId3"/>
     <p:sldId id="259" r:id="rId4"/>
     <p:sldId id="257" r:id="rId5"/>
-    <p:sldId id="260" r:id="rId6"/>
+    <p:sldId id="261" r:id="rId6"/>
+    <p:sldId id="260" r:id="rId7"/>
   </p:sldIdLst>
   <p:sldSz cx="13817600" cy="7772400"/>
   <p:notesSz cx="6858000" cy="9144000"/>
@@ -8325,6 +8326,106 @@
 </file>
 
 <file path=ppt/slides/slide5.xml><?xml version="1.0" encoding="utf-8"?>
+<p:sld xmlns:a="http://schemas.openxmlformats.org/drawingml/2006/main" xmlns:r="http://schemas.openxmlformats.org/officeDocument/2006/relationships" xmlns:p="http://schemas.openxmlformats.org/presentationml/2006/main">
+  <p:cSld>
+    <p:spTree>
+      <p:nvGrpSpPr>
+        <p:cNvPr id="1" name=""/>
+        <p:cNvGrpSpPr/>
+        <p:nvPr/>
+      </p:nvGrpSpPr>
+      <p:grpSpPr>
+        <a:xfrm>
+          <a:off x="0" y="0"/>
+          <a:ext cx="0" cy="0"/>
+          <a:chOff x="0" y="0"/>
+          <a:chExt cx="0" cy="0"/>
+        </a:xfrm>
+      </p:grpSpPr>
+      <p:sp>
+        <p:nvSpPr>
+          <p:cNvPr id="2" name="Title 1">
+            <a:extLst>
+              <a:ext uri="{FF2B5EF4-FFF2-40B4-BE49-F238E27FC236}">
+                <a16:creationId xmlns:a16="http://schemas.microsoft.com/office/drawing/2014/main" id="{DE58498A-91A9-B14D-980E-7CAA88DA0949}"/>
+              </a:ext>
+            </a:extLst>
+          </p:cNvPr>
+          <p:cNvSpPr>
+            <a:spLocks noGrp="1"/>
+          </p:cNvSpPr>
+          <p:nvPr>
+            <p:ph type="title"/>
+          </p:nvPr>
+        </p:nvSpPr>
+        <p:spPr/>
+        <p:txBody>
+          <a:bodyPr/>
+          <a:lstStyle/>
+          <a:p>
+            <a:r>
+              <a:rPr lang="en-US" dirty="0"/>
+              <a:t>Knowledge Check: Work Together</a:t>
+            </a:r>
+          </a:p>
+        </p:txBody>
+      </p:sp>
+      <p:pic>
+        <p:nvPicPr>
+          <p:cNvPr id="4" name="Picture 3">
+            <a:extLst>
+              <a:ext uri="{FF2B5EF4-FFF2-40B4-BE49-F238E27FC236}">
+                <a16:creationId xmlns:a16="http://schemas.microsoft.com/office/drawing/2014/main" id="{F47FCA07-E462-0140-A446-3C0637B63772}"/>
+              </a:ext>
+            </a:extLst>
+          </p:cNvPr>
+          <p:cNvPicPr>
+            <a:picLocks noChangeAspect="1"/>
+          </p:cNvPicPr>
+          <p:nvPr/>
+        </p:nvPicPr>
+        <p:blipFill>
+          <a:blip r:embed="rId2"/>
+          <a:stretch>
+            <a:fillRect/>
+          </a:stretch>
+        </p:blipFill>
+        <p:spPr>
+          <a:xfrm>
+            <a:off x="2978728" y="1363635"/>
+            <a:ext cx="7508586" cy="5623672"/>
+          </a:xfrm>
+          <a:prstGeom prst="rect">
+            <a:avLst/>
+          </a:prstGeom>
+        </p:spPr>
+      </p:pic>
+    </p:spTree>
+    <p:extLst>
+      <p:ext uri="{BB962C8B-B14F-4D97-AF65-F5344CB8AC3E}">
+        <p14:creationId xmlns:p14="http://schemas.microsoft.com/office/powerpoint/2010/main" val="3221196742"/>
+      </p:ext>
+    </p:extLst>
+  </p:cSld>
+  <p:clrMapOvr>
+    <a:masterClrMapping/>
+  </p:clrMapOvr>
+  <mc:AlternateContent xmlns:mc="http://schemas.openxmlformats.org/markup-compatibility/2006" xmlns:p14="http://schemas.microsoft.com/office/powerpoint/2010/main">
+    <mc:Choice Requires="p14">
+      <p:transition p14:dur="300">
+        <p:fade/>
+      </p:transition>
+    </mc:Choice>
+    <mc:Fallback xmlns="">
+      <p:transition>
+        <p:fade/>
+      </p:transition>
+    </mc:Fallback>
+  </mc:AlternateContent>
+</p:sld>
+</file>
+
+<file path=ppt/slides/slide6.xml><?xml version="1.0" encoding="utf-8"?>
 <p:sld xmlns:a="http://schemas.openxmlformats.org/drawingml/2006/main" xmlns:r="http://schemas.openxmlformats.org/officeDocument/2006/relationships" xmlns:p="http://schemas.openxmlformats.org/presentationml/2006/main">
   <p:cSld>
     <p:spTree>

--- a/helpsessions/week2/strings.pptx
+++ b/helpsessions/week2/strings.pptx
@@ -5,18 +5,20 @@
     <p:sldMasterId id="2147483648" r:id="rId1"/>
   </p:sldMasterIdLst>
   <p:notesMasterIdLst>
-    <p:notesMasterId r:id="rId8"/>
+    <p:notesMasterId r:id="rId10"/>
   </p:notesMasterIdLst>
   <p:handoutMasterIdLst>
-    <p:handoutMasterId r:id="rId9"/>
+    <p:handoutMasterId r:id="rId11"/>
   </p:handoutMasterIdLst>
   <p:sldIdLst>
     <p:sldId id="256" r:id="rId2"/>
-    <p:sldId id="258" r:id="rId3"/>
-    <p:sldId id="259" r:id="rId4"/>
-    <p:sldId id="257" r:id="rId5"/>
-    <p:sldId id="261" r:id="rId6"/>
-    <p:sldId id="260" r:id="rId7"/>
+    <p:sldId id="263" r:id="rId3"/>
+    <p:sldId id="258" r:id="rId4"/>
+    <p:sldId id="259" r:id="rId5"/>
+    <p:sldId id="257" r:id="rId6"/>
+    <p:sldId id="261" r:id="rId7"/>
+    <p:sldId id="262" r:id="rId8"/>
+    <p:sldId id="260" r:id="rId9"/>
   </p:sldIdLst>
   <p:sldSz cx="13817600" cy="7772400"/>
   <p:notesSz cx="6858000" cy="9144000"/>
@@ -719,7 +721,7 @@
           <a:p>
             <a:fld id="{1A032F50-0B60-B34B-8422-4E195A5AE2C1}" type="slidenum">
               <a:rPr lang="en-US" smtClean="0"/>
-              <a:t>3</a:t>
+              <a:t>4</a:t>
             </a:fld>
             <a:endParaRPr lang="en-US"/>
           </a:p>
@@ -806,7 +808,7 @@
           <a:p>
             <a:fld id="{1A032F50-0B60-B34B-8422-4E195A5AE2C1}" type="slidenum">
               <a:rPr lang="en-US" smtClean="0"/>
-              <a:t>4</a:t>
+              <a:t>5</a:t>
             </a:fld>
             <a:endParaRPr lang="en-US"/>
           </a:p>
@@ -6927,6 +6929,106 @@
       </p:grpSpPr>
       <p:sp>
         <p:nvSpPr>
+          <p:cNvPr id="2" name="Title 1">
+            <a:extLst>
+              <a:ext uri="{FF2B5EF4-FFF2-40B4-BE49-F238E27FC236}">
+                <a16:creationId xmlns:a16="http://schemas.microsoft.com/office/drawing/2014/main" id="{7EB6B971-F5C8-E74E-AE0A-944B274B0871}"/>
+              </a:ext>
+            </a:extLst>
+          </p:cNvPr>
+          <p:cNvSpPr>
+            <a:spLocks noGrp="1"/>
+          </p:cNvSpPr>
+          <p:nvPr>
+            <p:ph type="title"/>
+          </p:nvPr>
+        </p:nvSpPr>
+        <p:spPr/>
+        <p:txBody>
+          <a:bodyPr/>
+          <a:lstStyle/>
+          <a:p>
+            <a:r>
+              <a:rPr lang="en-US" dirty="0"/>
+              <a:t>Knowledge Check: Discuss</a:t>
+            </a:r>
+          </a:p>
+        </p:txBody>
+      </p:sp>
+      <p:pic>
+        <p:nvPicPr>
+          <p:cNvPr id="4" name="Picture 3">
+            <a:extLst>
+              <a:ext uri="{FF2B5EF4-FFF2-40B4-BE49-F238E27FC236}">
+                <a16:creationId xmlns:a16="http://schemas.microsoft.com/office/drawing/2014/main" id="{36D844AF-ABE1-ED48-AB14-F94EED5B8742}"/>
+              </a:ext>
+            </a:extLst>
+          </p:cNvPr>
+          <p:cNvPicPr>
+            <a:picLocks noChangeAspect="1"/>
+          </p:cNvPicPr>
+          <p:nvPr/>
+        </p:nvPicPr>
+        <p:blipFill>
+          <a:blip r:embed="rId2"/>
+          <a:stretch>
+            <a:fillRect/>
+          </a:stretch>
+        </p:blipFill>
+        <p:spPr>
+          <a:xfrm>
+            <a:off x="1719527" y="1909040"/>
+            <a:ext cx="10378545" cy="4394777"/>
+          </a:xfrm>
+          <a:prstGeom prst="rect">
+            <a:avLst/>
+          </a:prstGeom>
+        </p:spPr>
+      </p:pic>
+    </p:spTree>
+    <p:extLst>
+      <p:ext uri="{BB962C8B-B14F-4D97-AF65-F5344CB8AC3E}">
+        <p14:creationId xmlns:p14="http://schemas.microsoft.com/office/powerpoint/2010/main" val="1951458927"/>
+      </p:ext>
+    </p:extLst>
+  </p:cSld>
+  <p:clrMapOvr>
+    <a:masterClrMapping/>
+  </p:clrMapOvr>
+  <mc:AlternateContent xmlns:mc="http://schemas.openxmlformats.org/markup-compatibility/2006" xmlns:p14="http://schemas.microsoft.com/office/powerpoint/2010/main">
+    <mc:Choice Requires="p14">
+      <p:transition p14:dur="300">
+        <p:fade/>
+      </p:transition>
+    </mc:Choice>
+    <mc:Fallback xmlns="">
+      <p:transition>
+        <p:fade/>
+      </p:transition>
+    </mc:Fallback>
+  </mc:AlternateContent>
+</p:sld>
+</file>
+
+<file path=ppt/slides/slide3.xml><?xml version="1.0" encoding="utf-8"?>
+<p:sld xmlns:a="http://schemas.openxmlformats.org/drawingml/2006/main" xmlns:r="http://schemas.openxmlformats.org/officeDocument/2006/relationships" xmlns:p="http://schemas.openxmlformats.org/presentationml/2006/main">
+  <p:cSld>
+    <p:spTree>
+      <p:nvGrpSpPr>
+        <p:cNvPr id="1" name=""/>
+        <p:cNvGrpSpPr/>
+        <p:nvPr/>
+      </p:nvGrpSpPr>
+      <p:grpSpPr>
+        <a:xfrm>
+          <a:off x="0" y="0"/>
+          <a:ext cx="0" cy="0"/>
+          <a:chOff x="0" y="0"/>
+          <a:chExt cx="0" cy="0"/>
+        </a:xfrm>
+      </p:grpSpPr>
+      <p:sp>
+        <p:nvSpPr>
           <p:cNvPr id="4" name="Title 3">
             <a:extLst>
               <a:ext uri="{FF2B5EF4-FFF2-40B4-BE49-F238E27FC236}">
@@ -6995,7 +7097,15 @@
             <a:pPr lvl="2"/>
             <a:r>
               <a:rPr lang="en-US" dirty="0"/>
-              <a:t>How did Alan Turing address this question?</a:t>
+              <a:t>How did </a:t>
+            </a:r>
+            <a:r>
+              <a:rPr lang="en-US" b="1" dirty="0"/>
+              <a:t>Alan Turing </a:t>
+            </a:r>
+            <a:r>
+              <a:rPr lang="en-US" dirty="0"/>
+              <a:t>address this question?</a:t>
             </a:r>
           </a:p>
           <a:p>
@@ -7070,7 +7180,7 @@
 </p:sld>
 </file>
 
-<file path=ppt/slides/slide3.xml><?xml version="1.0" encoding="utf-8"?>
+<file path=ppt/slides/slide4.xml><?xml version="1.0" encoding="utf-8"?>
 <p:sld xmlns:a="http://schemas.openxmlformats.org/drawingml/2006/main" xmlns:r="http://schemas.openxmlformats.org/officeDocument/2006/relationships" xmlns:p="http://schemas.openxmlformats.org/presentationml/2006/main">
   <p:cSld>
     <p:spTree>
@@ -7316,7 +7426,7 @@
 </p:sld>
 </file>
 
-<file path=ppt/slides/slide4.xml><?xml version="1.0" encoding="utf-8"?>
+<file path=ppt/slides/slide5.xml><?xml version="1.0" encoding="utf-8"?>
 <p:sld xmlns:a="http://schemas.openxmlformats.org/drawingml/2006/main" xmlns:r="http://schemas.openxmlformats.org/officeDocument/2006/relationships" xmlns:p="http://schemas.openxmlformats.org/presentationml/2006/main">
   <p:cSld>
     <p:spTree>
@@ -8325,7 +8435,7 @@
 </p:sld>
 </file>
 
-<file path=ppt/slides/slide5.xml><?xml version="1.0" encoding="utf-8"?>
+<file path=ppt/slides/slide6.xml><?xml version="1.0" encoding="utf-8"?>
 <p:sld xmlns:a="http://schemas.openxmlformats.org/drawingml/2006/main" xmlns:r="http://schemas.openxmlformats.org/officeDocument/2006/relationships" xmlns:p="http://schemas.openxmlformats.org/presentationml/2006/main">
   <p:cSld>
     <p:spTree>
@@ -8425,7 +8535,172 @@
 </p:sld>
 </file>
 
-<file path=ppt/slides/slide6.xml><?xml version="1.0" encoding="utf-8"?>
+<file path=ppt/slides/slide7.xml><?xml version="1.0" encoding="utf-8"?>
+<p:sld xmlns:a="http://schemas.openxmlformats.org/drawingml/2006/main" xmlns:r="http://schemas.openxmlformats.org/officeDocument/2006/relationships" xmlns:p="http://schemas.openxmlformats.org/presentationml/2006/main">
+  <p:cSld>
+    <p:spTree>
+      <p:nvGrpSpPr>
+        <p:cNvPr id="1" name=""/>
+        <p:cNvGrpSpPr/>
+        <p:nvPr/>
+      </p:nvGrpSpPr>
+      <p:grpSpPr>
+        <a:xfrm>
+          <a:off x="0" y="0"/>
+          <a:ext cx="0" cy="0"/>
+          <a:chOff x="0" y="0"/>
+          <a:chExt cx="0" cy="0"/>
+        </a:xfrm>
+      </p:grpSpPr>
+      <p:sp>
+        <p:nvSpPr>
+          <p:cNvPr id="2" name="Title 1">
+            <a:extLst>
+              <a:ext uri="{FF2B5EF4-FFF2-40B4-BE49-F238E27FC236}">
+                <a16:creationId xmlns:a16="http://schemas.microsoft.com/office/drawing/2014/main" id="{C1F98971-1426-5F43-81B2-0E6B19D81FFD}"/>
+              </a:ext>
+            </a:extLst>
+          </p:cNvPr>
+          <p:cNvSpPr>
+            <a:spLocks noGrp="1"/>
+          </p:cNvSpPr>
+          <p:nvPr>
+            <p:ph type="title"/>
+          </p:nvPr>
+        </p:nvSpPr>
+        <p:spPr/>
+        <p:txBody>
+          <a:bodyPr/>
+          <a:lstStyle/>
+          <a:p>
+            <a:r>
+              <a:rPr lang="en-US" dirty="0"/>
+              <a:t>Knowledge Check: Work Together </a:t>
+            </a:r>
+          </a:p>
+        </p:txBody>
+      </p:sp>
+      <p:pic>
+        <p:nvPicPr>
+          <p:cNvPr id="4" name="Picture 3">
+            <a:extLst>
+              <a:ext uri="{FF2B5EF4-FFF2-40B4-BE49-F238E27FC236}">
+                <a16:creationId xmlns:a16="http://schemas.microsoft.com/office/drawing/2014/main" id="{B0C4AF21-FED6-274C-A453-29D3144F6BB7}"/>
+              </a:ext>
+            </a:extLst>
+          </p:cNvPr>
+          <p:cNvPicPr>
+            <a:picLocks noChangeAspect="1"/>
+          </p:cNvPicPr>
+          <p:nvPr/>
+        </p:nvPicPr>
+        <p:blipFill>
+          <a:blip r:embed="rId2"/>
+          <a:stretch>
+            <a:fillRect/>
+          </a:stretch>
+        </p:blipFill>
+        <p:spPr>
+          <a:xfrm>
+            <a:off x="274921" y="1689510"/>
+            <a:ext cx="6679969" cy="3998768"/>
+          </a:xfrm>
+          <a:prstGeom prst="rect">
+            <a:avLst/>
+          </a:prstGeom>
+        </p:spPr>
+      </p:pic>
+      <p:pic>
+        <p:nvPicPr>
+          <p:cNvPr id="5" name="Picture 4">
+            <a:extLst>
+              <a:ext uri="{FF2B5EF4-FFF2-40B4-BE49-F238E27FC236}">
+                <a16:creationId xmlns:a16="http://schemas.microsoft.com/office/drawing/2014/main" id="{EBD18865-8190-F54C-B5E1-3DB7D2C85ABE}"/>
+              </a:ext>
+            </a:extLst>
+          </p:cNvPr>
+          <p:cNvPicPr>
+            <a:picLocks noChangeAspect="1"/>
+          </p:cNvPicPr>
+          <p:nvPr/>
+        </p:nvPicPr>
+        <p:blipFill>
+          <a:blip r:embed="rId3"/>
+          <a:stretch>
+            <a:fillRect/>
+          </a:stretch>
+        </p:blipFill>
+        <p:spPr>
+          <a:xfrm>
+            <a:off x="6954890" y="1703365"/>
+            <a:ext cx="6234638" cy="3998768"/>
+          </a:xfrm>
+          <a:prstGeom prst="rect">
+            <a:avLst/>
+          </a:prstGeom>
+        </p:spPr>
+      </p:pic>
+      <p:sp>
+        <p:nvSpPr>
+          <p:cNvPr id="6" name="TextBox 5">
+            <a:extLst>
+              <a:ext uri="{FF2B5EF4-FFF2-40B4-BE49-F238E27FC236}">
+                <a16:creationId xmlns:a16="http://schemas.microsoft.com/office/drawing/2014/main" id="{A4AC3611-E843-EA40-A545-4F4B7F6D34A0}"/>
+              </a:ext>
+            </a:extLst>
+          </p:cNvPr>
+          <p:cNvSpPr txBox="1"/>
+          <p:nvPr/>
+        </p:nvSpPr>
+        <p:spPr>
+          <a:xfrm>
+            <a:off x="5408934" y="6456218"/>
+            <a:ext cx="2999732" cy="400110"/>
+          </a:xfrm>
+          <a:prstGeom prst="rect">
+            <a:avLst/>
+          </a:prstGeom>
+          <a:noFill/>
+        </p:spPr>
+        <p:txBody>
+          <a:bodyPr wrap="none" rtlCol="0">
+            <a:spAutoFit/>
+          </a:bodyPr>
+          <a:lstStyle/>
+          <a:p>
+            <a:r>
+              <a:rPr lang="en-US" dirty="0"/>
+              <a:t>How do these two differ?</a:t>
+            </a:r>
+          </a:p>
+        </p:txBody>
+      </p:sp>
+    </p:spTree>
+    <p:extLst>
+      <p:ext uri="{BB962C8B-B14F-4D97-AF65-F5344CB8AC3E}">
+        <p14:creationId xmlns:p14="http://schemas.microsoft.com/office/powerpoint/2010/main" val="1146520209"/>
+      </p:ext>
+    </p:extLst>
+  </p:cSld>
+  <p:clrMapOvr>
+    <a:masterClrMapping/>
+  </p:clrMapOvr>
+  <mc:AlternateContent xmlns:mc="http://schemas.openxmlformats.org/markup-compatibility/2006" xmlns:p14="http://schemas.microsoft.com/office/powerpoint/2010/main">
+    <mc:Choice Requires="p14">
+      <p:transition p14:dur="300">
+        <p:fade/>
+      </p:transition>
+    </mc:Choice>
+    <mc:Fallback xmlns="">
+      <p:transition>
+        <p:fade/>
+      </p:transition>
+    </mc:Fallback>
+  </mc:AlternateContent>
+</p:sld>
+</file>
+
+<file path=ppt/slides/slide8.xml><?xml version="1.0" encoding="utf-8"?>
 <p:sld xmlns:a="http://schemas.openxmlformats.org/drawingml/2006/main" xmlns:r="http://schemas.openxmlformats.org/officeDocument/2006/relationships" xmlns:p="http://schemas.openxmlformats.org/presentationml/2006/main">
   <p:cSld>
     <p:spTree>
